--- a/10 - Offensive Security Tactics for Linux Professionals - Linux Privilege Escalation.pptx
+++ b/10 - Offensive Security Tactics for Linux Professionals - Linux Privilege Escalation.pptx
@@ -18,6 +18,9 @@
     <p:sldId id="266" r:id="rId12"/>
     <p:sldId id="267" r:id="rId13"/>
     <p:sldId id="268" r:id="rId14"/>
+    <p:sldId id="269" r:id="rId15"/>
+    <p:sldId id="270" r:id="rId16"/>
+    <p:sldId id="271" r:id="rId17"/>
   </p:sldIdLst>
   <p:sldSz cx="12192000" cy="6858000"/>
   <p:notesSz cx="6858000" cy="9144000"/>
@@ -452,7 +455,7 @@
             <a:pPr algn="l"/>
             <a:fld id="{0DCFB061-4267-4D9F-8017-6F550D3068DF}" type="datetime1">
               <a:rPr lang="en-US" smtClean="0"/>
-              <a:t>4/7/2022</a:t>
+              <a:t>4/11/2022</a:t>
             </a:fld>
             <a:endParaRPr lang="en-US" dirty="0"/>
           </a:p>
@@ -645,7 +648,7 @@
           <a:p>
             <a:fld id="{8141BC61-5547-4A60-8DA1-6699760D9972}" type="datetime1">
               <a:rPr lang="en-US" smtClean="0"/>
-              <a:t>4/7/2022</a:t>
+              <a:t>4/11/2022</a:t>
             </a:fld>
             <a:endParaRPr lang="en-US" dirty="0"/>
           </a:p>
@@ -830,7 +833,7 @@
           <a:p>
             <a:fld id="{24B9D1C6-60D0-4CD1-8F31-F912522EB041}" type="datetime1">
               <a:rPr lang="en-US" smtClean="0"/>
-              <a:t>4/7/2022</a:t>
+              <a:t>4/11/2022</a:t>
             </a:fld>
             <a:endParaRPr lang="en-US" dirty="0"/>
           </a:p>
@@ -1059,7 +1062,7 @@
           <a:p>
             <a:fld id="{47A4ED5C-5A53-433E-8A55-46F54CE81DA5}" type="datetime1">
               <a:rPr lang="en-US" smtClean="0"/>
-              <a:t>4/7/2022</a:t>
+              <a:t>4/11/2022</a:t>
             </a:fld>
             <a:endParaRPr lang="en-US" dirty="0"/>
           </a:p>
@@ -1386,7 +1389,7 @@
           <a:p>
             <a:fld id="{29CABC0C-B6DF-45E9-B954-11C99AA62C3E}" type="datetime1">
               <a:rPr lang="en-US" smtClean="0"/>
-              <a:t>4/7/2022</a:t>
+              <a:t>4/11/2022</a:t>
             </a:fld>
             <a:endParaRPr lang="en-US" dirty="0"/>
           </a:p>
@@ -1682,7 +1685,7 @@
           <a:p>
             <a:fld id="{A4AB71B9-2624-4F21-93EE-35A78B1A0DAD}" type="datetime1">
               <a:rPr lang="en-US" smtClean="0"/>
-              <a:t>4/7/2022</a:t>
+              <a:t>4/11/2022</a:t>
             </a:fld>
             <a:endParaRPr lang="en-US" dirty="0"/>
           </a:p>
@@ -2103,7 +2106,7 @@
           <a:p>
             <a:fld id="{36D37C2A-BE2E-4840-A907-3254E2916C96}" type="datetime1">
               <a:rPr lang="en-US" smtClean="0"/>
-              <a:t>4/7/2022</a:t>
+              <a:t>4/11/2022</a:t>
             </a:fld>
             <a:endParaRPr lang="en-US" dirty="0"/>
           </a:p>
@@ -2301,7 +2304,7 @@
           <a:p>
             <a:fld id="{005CD215-1C45-48A0-8534-39FFE8A7C95A}" type="datetime1">
               <a:rPr lang="en-US" smtClean="0"/>
-              <a:t>4/7/2022</a:t>
+              <a:t>4/11/2022</a:t>
             </a:fld>
             <a:endParaRPr lang="en-US" dirty="0"/>
           </a:p>
@@ -2410,7 +2413,7 @@
           <a:p>
             <a:fld id="{D3363A0F-DEF3-4134-98D0-2E1276938A8B}" type="datetime1">
               <a:rPr lang="en-US" smtClean="0"/>
-              <a:t>4/7/2022</a:t>
+              <a:t>4/11/2022</a:t>
             </a:fld>
             <a:endParaRPr lang="en-US" dirty="0"/>
           </a:p>
@@ -2831,7 +2834,7 @@
           <a:p>
             <a:fld id="{61A2E4C8-2960-4ADD-862C-4D9643CB15AC}" type="datetime1">
               <a:rPr lang="en-US" smtClean="0"/>
-              <a:t>4/7/2022</a:t>
+              <a:t>4/11/2022</a:t>
             </a:fld>
             <a:endParaRPr lang="en-US" dirty="0"/>
           </a:p>
@@ -3184,7 +3187,7 @@
           <a:p>
             <a:fld id="{48BDEA15-09CD-4275-A8E0-385C965F48B0}" type="datetime1">
               <a:rPr lang="en-US" smtClean="0"/>
-              <a:t>4/7/2022</a:t>
+              <a:t>4/11/2022</a:t>
             </a:fld>
             <a:endParaRPr lang="en-US" dirty="0"/>
           </a:p>
@@ -3489,7 +3492,7 @@
           <a:p>
             <a:fld id="{4AF8082C-0922-4249-A612-B415F5231620}" type="datetime1">
               <a:rPr lang="en-US" smtClean="0"/>
-              <a:t>4/7/2022</a:t>
+              <a:t>4/11/2022</a:t>
             </a:fld>
             <a:endParaRPr lang="en-US" dirty="0"/>
           </a:p>
@@ -3988,10 +3991,10 @@
       </p:grpSpPr>
       <p:sp useBgFill="1">
         <p:nvSpPr>
-          <p:cNvPr id="88" name="Rectangle 87">
-            <a:extLst>
-              <a:ext uri="{FF2B5EF4-FFF2-40B4-BE49-F238E27FC236}">
-                <a16:creationId xmlns:a16="http://schemas.microsoft.com/office/drawing/2014/main" id="{B725BC23-E0DD-4037-B2B8-7B6FA64543FB}"/>
+          <p:cNvPr id="135" name="Rectangle 134">
+            <a:extLst>
+              <a:ext uri="{FF2B5EF4-FFF2-40B4-BE49-F238E27FC236}">
+                <a16:creationId xmlns:a16="http://schemas.microsoft.com/office/drawing/2014/main" id="{EA164D6B-6878-4B9F-A2D0-985D39B17B46}"/>
               </a:ext>
               <a:ext uri="{C183D7F6-B498-43B3-948B-1728B52AA6E4}">
                 <adec:decorative xmlns:adec="http://schemas.microsoft.com/office/drawing/2017/decorative" val="1"/>
@@ -4010,7 +4013,7 @@
           </p:nvPr>
         </p:nvSpPr>
         <p:spPr>
-          <a:xfrm flipH="1">
+          <a:xfrm>
             <a:off x="0" y="0"/>
             <a:ext cx="12192001" cy="6858000"/>
           </a:xfrm>
@@ -4046,12 +4049,58 @@
           </a:p>
         </p:txBody>
       </p:sp>
-      <p:sp>
-        <p:nvSpPr>
-          <p:cNvPr id="90" name="Rectangle 89">
-            <a:extLst>
-              <a:ext uri="{FF2B5EF4-FFF2-40B4-BE49-F238E27FC236}">
-                <a16:creationId xmlns:a16="http://schemas.microsoft.com/office/drawing/2014/main" id="{199EE120-2D35-4A48-BAAE-238F986A13DC}"/>
+      <p:pic>
+        <p:nvPicPr>
+          <p:cNvPr id="1026" name="Picture 2" descr="Free download Tux drinking up Windows juice box wallpaper 12388 [1920x1080]  for your Desktop, Mobile &amp; Tablet | Explore 48+ Linux Screensavers and  Wallpaper | Best Linux Wallpaper, Linux Girls Wallpaper, Free Linux  Wallpaper">
+            <a:extLst>
+              <a:ext uri="{FF2B5EF4-FFF2-40B4-BE49-F238E27FC236}">
+                <a16:creationId xmlns:a16="http://schemas.microsoft.com/office/drawing/2014/main" id="{D311B6D4-1672-4962-B74F-4A7D6BBB5CB6}"/>
+              </a:ext>
+            </a:extLst>
+          </p:cNvPr>
+          <p:cNvPicPr>
+            <a:picLocks noChangeAspect="1" noChangeArrowheads="1"/>
+          </p:cNvPicPr>
+          <p:nvPr/>
+        </p:nvPicPr>
+        <p:blipFill>
+          <a:blip r:embed="rId2">
+            <a:extLst>
+              <a:ext uri="{28A0092B-C50C-407E-A947-70E740481C1C}">
+                <a14:useLocalDpi xmlns:a14="http://schemas.microsoft.com/office/drawing/2010/main" val="0"/>
+              </a:ext>
+            </a:extLst>
+          </a:blip>
+          <a:stretch>
+            <a:fillRect/>
+          </a:stretch>
+        </p:blipFill>
+        <p:spPr bwMode="auto">
+          <a:xfrm>
+            <a:off x="688091" y="599091"/>
+            <a:ext cx="6127310" cy="4901848"/>
+          </a:xfrm>
+          <a:prstGeom prst="rect">
+            <a:avLst/>
+          </a:prstGeom>
+          <a:noFill/>
+          <a:extLst>
+            <a:ext uri="{909E8E84-426E-40DD-AFC4-6F175D3DCCD1}">
+              <a14:hiddenFill xmlns:a14="http://schemas.microsoft.com/office/drawing/2010/main">
+                <a:solidFill>
+                  <a:srgbClr val="FFFFFF"/>
+                </a:solidFill>
+              </a14:hiddenFill>
+            </a:ext>
+          </a:extLst>
+        </p:spPr>
+      </p:pic>
+      <p:sp>
+        <p:nvSpPr>
+          <p:cNvPr id="137" name="Rectangle 136">
+            <a:extLst>
+              <a:ext uri="{FF2B5EF4-FFF2-40B4-BE49-F238E27FC236}">
+                <a16:creationId xmlns:a16="http://schemas.microsoft.com/office/drawing/2014/main" id="{064738AB-B6BE-4867-889A-52CE4AC8DBD0}"/>
               </a:ext>
               <a:ext uri="{C183D7F6-B498-43B3-948B-1728B52AA6E4}">
                 <adec:decorative xmlns:adec="http://schemas.microsoft.com/office/drawing/2017/decorative" val="1"/>
@@ -4070,15 +4119,17 @@
           </p:nvPr>
         </p:nvSpPr>
         <p:spPr>
-          <a:xfrm flipH="1">
-            <a:off x="0" y="0"/>
-            <a:ext cx="4426072" cy="1804072"/>
+          <a:xfrm>
+            <a:off x="7585468" y="0"/>
+            <a:ext cx="4603482" cy="6112401"/>
           </a:xfrm>
           <a:prstGeom prst="rect">
             <a:avLst/>
           </a:prstGeom>
           <a:solidFill>
-            <a:schemeClr val="accent1"/>
+            <a:schemeClr val="bg1">
+              <a:alpha val="75000"/>
+            </a:schemeClr>
           </a:solidFill>
           <a:ln>
             <a:noFill/>
@@ -4109,41 +4160,90 @@
           </a:p>
         </p:txBody>
       </p:sp>
-      <p:pic>
-        <p:nvPicPr>
-          <p:cNvPr id="5" name="Picture 4">
-            <a:extLst>
-              <a:ext uri="{FF2B5EF4-FFF2-40B4-BE49-F238E27FC236}">
-                <a16:creationId xmlns:a16="http://schemas.microsoft.com/office/drawing/2014/main" id="{45DD174B-C136-422F-BBA6-2915D4237237}"/>
-              </a:ext>
-            </a:extLst>
-          </p:cNvPr>
-          <p:cNvPicPr>
-            <a:picLocks noChangeAspect="1"/>
-          </p:cNvPicPr>
-          <p:nvPr/>
-        </p:nvPicPr>
-        <p:blipFill rotWithShape="1">
-          <a:blip r:embed="rId2"/>
-          <a:srcRect r="3" b="15603"/>
-          <a:stretch/>
-        </p:blipFill>
+      <p:sp>
+        <p:nvSpPr>
+          <p:cNvPr id="2" name="Title 1">
+            <a:extLst>
+              <a:ext uri="{FF2B5EF4-FFF2-40B4-BE49-F238E27FC236}">
+                <a16:creationId xmlns:a16="http://schemas.microsoft.com/office/drawing/2014/main" id="{D58195F5-77AF-4128-81F2-B4DBFFE44A5B}"/>
+              </a:ext>
+            </a:extLst>
+          </p:cNvPr>
+          <p:cNvSpPr>
+            <a:spLocks noGrp="1"/>
+          </p:cNvSpPr>
+          <p:nvPr>
+            <p:ph type="ctrTitle"/>
+          </p:nvPr>
+        </p:nvSpPr>
         <p:spPr>
           <a:xfrm>
-            <a:off x="20" y="1804072"/>
-            <a:ext cx="4458058" cy="4349801"/>
-          </a:xfrm>
-          <a:prstGeom prst="rect">
-            <a:avLst/>
-          </a:prstGeom>
-        </p:spPr>
-      </p:pic>
-      <p:sp>
-        <p:nvSpPr>
-          <p:cNvPr id="92" name="Rectangle 91">
-            <a:extLst>
-              <a:ext uri="{FF2B5EF4-FFF2-40B4-BE49-F238E27FC236}">
-                <a16:creationId xmlns:a16="http://schemas.microsoft.com/office/drawing/2014/main" id="{552F9EAC-0C70-441C-AC78-65174C285730}"/>
+            <a:off x="7973503" y="1709530"/>
+            <a:ext cx="3754671" cy="2528515"/>
+          </a:xfrm>
+        </p:spPr>
+        <p:txBody>
+          <a:bodyPr anchor="b">
+            <a:normAutofit/>
+          </a:bodyPr>
+          <a:lstStyle/>
+          <a:p>
+            <a:r>
+              <a:rPr lang="en-GB" sz="3600">
+                <a:solidFill>
+                  <a:schemeClr val="tx2"/>
+                </a:solidFill>
+              </a:rPr>
+              <a:t>Linux Privilege Escalation</a:t>
+            </a:r>
+          </a:p>
+        </p:txBody>
+      </p:sp>
+      <p:sp>
+        <p:nvSpPr>
+          <p:cNvPr id="3" name="Subtitle 2">
+            <a:extLst>
+              <a:ext uri="{FF2B5EF4-FFF2-40B4-BE49-F238E27FC236}">
+                <a16:creationId xmlns:a16="http://schemas.microsoft.com/office/drawing/2014/main" id="{9238ED6B-3E4C-4A1C-9992-6DBF41785413}"/>
+              </a:ext>
+            </a:extLst>
+          </p:cNvPr>
+          <p:cNvSpPr>
+            <a:spLocks noGrp="1"/>
+          </p:cNvSpPr>
+          <p:nvPr>
+            <p:ph type="subTitle" idx="1"/>
+          </p:nvPr>
+        </p:nvSpPr>
+        <p:spPr>
+          <a:xfrm>
+            <a:off x="7976914" y="4238046"/>
+            <a:ext cx="3806919" cy="1741404"/>
+          </a:xfrm>
+        </p:spPr>
+        <p:txBody>
+          <a:bodyPr anchor="t">
+            <a:normAutofit/>
+          </a:bodyPr>
+          <a:lstStyle/>
+          <a:p>
+            <a:r>
+              <a:rPr lang="en-GB" sz="1900">
+                <a:solidFill>
+                  <a:schemeClr val="tx2"/>
+                </a:solidFill>
+              </a:rPr>
+              <a:t>Aqeeb Hussain – Offensive Security Tactics for Linux Professionals</a:t>
+            </a:r>
+          </a:p>
+        </p:txBody>
+      </p:sp>
+      <p:sp>
+        <p:nvSpPr>
+          <p:cNvPr id="139" name="Rectangle 138">
+            <a:extLst>
+              <a:ext uri="{FF2B5EF4-FFF2-40B4-BE49-F238E27FC236}">
+                <a16:creationId xmlns:a16="http://schemas.microsoft.com/office/drawing/2014/main" id="{57851D67-7085-40E2-B146-F91433A28E08}"/>
               </a:ext>
               <a:ext uri="{C183D7F6-B498-43B3-948B-1728B52AA6E4}">
                 <adec:decorative xmlns:adec="http://schemas.microsoft.com/office/drawing/2017/decorative" val="1"/>
@@ -4162,9 +4262,9 @@
           </p:nvPr>
         </p:nvSpPr>
         <p:spPr>
-          <a:xfrm flipH="1">
-            <a:off x="4426076" y="1740090"/>
-            <a:ext cx="7765922" cy="4427525"/>
+          <a:xfrm>
+            <a:off x="0" y="6144405"/>
+            <a:ext cx="7534656" cy="713595"/>
           </a:xfrm>
           <a:prstGeom prst="rect">
             <a:avLst/>
@@ -4205,86 +4305,10 @@
       </p:sp>
       <p:sp>
         <p:nvSpPr>
-          <p:cNvPr id="2" name="Title 1">
-            <a:extLst>
-              <a:ext uri="{FF2B5EF4-FFF2-40B4-BE49-F238E27FC236}">
-                <a16:creationId xmlns:a16="http://schemas.microsoft.com/office/drawing/2014/main" id="{D58195F5-77AF-4128-81F2-B4DBFFE44A5B}"/>
-              </a:ext>
-            </a:extLst>
-          </p:cNvPr>
-          <p:cNvSpPr>
-            <a:spLocks noGrp="1"/>
-          </p:cNvSpPr>
-          <p:nvPr>
-            <p:ph type="ctrTitle"/>
-          </p:nvPr>
-        </p:nvSpPr>
-        <p:spPr>
-          <a:xfrm>
-            <a:off x="4882101" y="2146851"/>
-            <a:ext cx="6666980" cy="2658269"/>
-          </a:xfrm>
-        </p:spPr>
-        <p:txBody>
-          <a:bodyPr anchor="b">
-            <a:normAutofit/>
-          </a:bodyPr>
-          <a:lstStyle/>
-          <a:p>
-            <a:pPr algn="ctr">
-              <a:lnSpc>
-                <a:spcPct val="115000"/>
-              </a:lnSpc>
-            </a:pPr>
-            <a:r>
-              <a:rPr lang="en-GB" sz="5100" dirty="0"/>
-              <a:t>Linux Privilege Escalation</a:t>
-            </a:r>
-          </a:p>
-        </p:txBody>
-      </p:sp>
-      <p:sp>
-        <p:nvSpPr>
-          <p:cNvPr id="3" name="Subtitle 2">
-            <a:extLst>
-              <a:ext uri="{FF2B5EF4-FFF2-40B4-BE49-F238E27FC236}">
-                <a16:creationId xmlns:a16="http://schemas.microsoft.com/office/drawing/2014/main" id="{9238ED6B-3E4C-4A1C-9992-6DBF41785413}"/>
-              </a:ext>
-            </a:extLst>
-          </p:cNvPr>
-          <p:cNvSpPr>
-            <a:spLocks noGrp="1"/>
-          </p:cNvSpPr>
-          <p:nvPr>
-            <p:ph type="subTitle" idx="1"/>
-          </p:nvPr>
-        </p:nvSpPr>
-        <p:spPr>
-          <a:xfrm>
-            <a:off x="4882102" y="4810937"/>
-            <a:ext cx="6666980" cy="1172200"/>
-          </a:xfrm>
-        </p:spPr>
-        <p:txBody>
-          <a:bodyPr anchor="t">
-            <a:normAutofit fontScale="92500"/>
-          </a:bodyPr>
-          <a:lstStyle/>
-          <a:p>
-            <a:pPr algn="ctr"/>
-            <a:r>
-              <a:rPr lang="en-GB" dirty="0"/>
-              <a:t>Aqeeb Hussain – Offensive Security Tactics for Linux Professionals</a:t>
-            </a:r>
-          </a:p>
-        </p:txBody>
-      </p:sp>
-      <p:sp>
-        <p:nvSpPr>
-          <p:cNvPr id="94" name="Rectangle 93">
-            <a:extLst>
-              <a:ext uri="{FF2B5EF4-FFF2-40B4-BE49-F238E27FC236}">
-                <a16:creationId xmlns:a16="http://schemas.microsoft.com/office/drawing/2014/main" id="{0D48F6B8-EF56-4340-982E-F4D6F5DC2F57}"/>
+          <p:cNvPr id="141" name="Rectangle 140">
+            <a:extLst>
+              <a:ext uri="{FF2B5EF4-FFF2-40B4-BE49-F238E27FC236}">
+                <a16:creationId xmlns:a16="http://schemas.microsoft.com/office/drawing/2014/main" id="{985AAE23-FCB6-4663-907C-0110B0FDC58E}"/>
               </a:ext>
               <a:ext uri="{C183D7F6-B498-43B3-948B-1728B52AA6E4}">
                 <adec:decorative xmlns:adec="http://schemas.microsoft.com/office/drawing/2017/decorative" val="1"/>
@@ -4304,14 +4328,16 @@
         </p:nvSpPr>
         <p:spPr>
           <a:xfrm>
-            <a:off x="1525" y="1753806"/>
-            <a:ext cx="12188951" cy="64008"/>
+            <a:off x="7585468" y="6167615"/>
+            <a:ext cx="4603482" cy="690385"/>
           </a:xfrm>
           <a:prstGeom prst="rect">
             <a:avLst/>
           </a:prstGeom>
           <a:solidFill>
-            <a:schemeClr val="tx2"/>
+            <a:schemeClr val="bg1">
+              <a:alpha val="75000"/>
+            </a:schemeClr>
           </a:solidFill>
           <a:ln>
             <a:noFill/>
@@ -4344,10 +4370,10 @@
       </p:sp>
       <p:sp>
         <p:nvSpPr>
-          <p:cNvPr id="96" name="Rectangle 95">
-            <a:extLst>
-              <a:ext uri="{FF2B5EF4-FFF2-40B4-BE49-F238E27FC236}">
-                <a16:creationId xmlns:a16="http://schemas.microsoft.com/office/drawing/2014/main" id="{AC596C40-FEA6-4867-853D-CF37DE3B6BF3}"/>
+          <p:cNvPr id="143" name="Rectangle 142">
+            <a:extLst>
+              <a:ext uri="{FF2B5EF4-FFF2-40B4-BE49-F238E27FC236}">
+                <a16:creationId xmlns:a16="http://schemas.microsoft.com/office/drawing/2014/main" id="{9C969C2C-E7E3-4052-87D4-61E733EC1BBD}"/>
               </a:ext>
               <a:ext uri="{C183D7F6-B498-43B3-948B-1728B52AA6E4}">
                 <adec:decorative xmlns:adec="http://schemas.microsoft.com/office/drawing/2017/decorative" val="1"/>
@@ -4366,17 +4392,15 @@
           </p:nvPr>
         </p:nvSpPr>
         <p:spPr>
-          <a:xfrm flipH="1">
-            <a:off x="-3049" y="6167615"/>
-            <a:ext cx="12192001" cy="690385"/>
+          <a:xfrm>
+            <a:off x="1525" y="6112401"/>
+            <a:ext cx="12188951" cy="64008"/>
           </a:xfrm>
           <a:prstGeom prst="rect">
             <a:avLst/>
           </a:prstGeom>
           <a:solidFill>
-            <a:schemeClr val="bg1">
-              <a:alpha val="75000"/>
-            </a:schemeClr>
+            <a:schemeClr val="tx2"/>
           </a:solidFill>
           <a:ln>
             <a:noFill/>
@@ -4409,10 +4433,10 @@
       </p:sp>
       <p:sp>
         <p:nvSpPr>
-          <p:cNvPr id="98" name="Rectangle 97">
-            <a:extLst>
-              <a:ext uri="{FF2B5EF4-FFF2-40B4-BE49-F238E27FC236}">
-                <a16:creationId xmlns:a16="http://schemas.microsoft.com/office/drawing/2014/main" id="{9DC7C5E2-274E-49A3-A8E0-46A5B8CAC3D4}"/>
+          <p:cNvPr id="145" name="Rectangle 144">
+            <a:extLst>
+              <a:ext uri="{FF2B5EF4-FFF2-40B4-BE49-F238E27FC236}">
+                <a16:creationId xmlns:a16="http://schemas.microsoft.com/office/drawing/2014/main" id="{7C60369F-A41B-4D6E-8990-30E2715C5730}"/>
               </a:ext>
               <a:ext uri="{C183D7F6-B498-43B3-948B-1728B52AA6E4}">
                 <adec:decorative xmlns:adec="http://schemas.microsoft.com/office/drawing/2017/decorative" val="1"/>
@@ -4432,70 +4456,7 @@
         </p:nvSpPr>
         <p:spPr>
           <a:xfrm>
-            <a:off x="1525" y="6109423"/>
-            <a:ext cx="12188951" cy="64008"/>
-          </a:xfrm>
-          <a:prstGeom prst="rect">
-            <a:avLst/>
-          </a:prstGeom>
-          <a:solidFill>
-            <a:schemeClr val="tx2"/>
-          </a:solidFill>
-          <a:ln>
-            <a:noFill/>
-          </a:ln>
-        </p:spPr>
-        <p:style>
-          <a:lnRef idx="2">
-            <a:schemeClr val="accent1">
-              <a:shade val="50000"/>
-            </a:schemeClr>
-          </a:lnRef>
-          <a:fillRef idx="1">
-            <a:schemeClr val="accent1"/>
-          </a:fillRef>
-          <a:effectRef idx="0">
-            <a:schemeClr val="accent1"/>
-          </a:effectRef>
-          <a:fontRef idx="minor">
-            <a:schemeClr val="lt1"/>
-          </a:fontRef>
-        </p:style>
-        <p:txBody>
-          <a:bodyPr rtlCol="0" anchor="ctr"/>
-          <a:lstStyle/>
-          <a:p>
-            <a:pPr algn="ctr"/>
-            <a:endParaRPr lang="en-US"/>
-          </a:p>
-        </p:txBody>
-      </p:sp>
-      <p:sp>
-        <p:nvSpPr>
-          <p:cNvPr id="100" name="Rectangle 99">
-            <a:extLst>
-              <a:ext uri="{FF2B5EF4-FFF2-40B4-BE49-F238E27FC236}">
-                <a16:creationId xmlns:a16="http://schemas.microsoft.com/office/drawing/2014/main" id="{D6CF8D2C-9E01-48EC-8DDF-8A1FF60AED22}"/>
-              </a:ext>
-              <a:ext uri="{C183D7F6-B498-43B3-948B-1728B52AA6E4}">
-                <adec:decorative xmlns:adec="http://schemas.microsoft.com/office/drawing/2017/decorative" val="1"/>
-              </a:ext>
-            </a:extLst>
-          </p:cNvPr>
-          <p:cNvSpPr>
-            <a:spLocks noGrp="1" noRot="1" noChangeAspect="1" noMove="1" noResize="1" noEditPoints="1" noAdjustHandles="1" noChangeArrowheads="1" noChangeShapeType="1" noTextEdit="1"/>
-          </p:cNvSpPr>
-          <p:nvPr>
-            <p:extLst>
-              <p:ext uri="{386F3935-93C4-4BCD-93E2-E3B085C9AB24}">
-                <p16:designElem xmlns:p16="http://schemas.microsoft.com/office/powerpoint/2015/main" val="1"/>
-              </p:ext>
-            </p:extLst>
-          </p:nvPr>
-        </p:nvSpPr>
-        <p:spPr>
-          <a:xfrm>
-            <a:off x="4394070" y="0"/>
+            <a:off x="7521459" y="0"/>
             <a:ext cx="64008" cy="6858000"/>
           </a:xfrm>
           <a:prstGeom prst="rect">
@@ -5256,6 +5217,1500 @@
     <p:extLst>
       <p:ext uri="{BB962C8B-B14F-4D97-AF65-F5344CB8AC3E}">
         <p14:creationId xmlns:p14="http://schemas.microsoft.com/office/powerpoint/2010/main" val="1060647061"/>
+      </p:ext>
+    </p:extLst>
+  </p:cSld>
+  <p:clrMapOvr>
+    <a:masterClrMapping/>
+  </p:clrMapOvr>
+</p:sld>
+</file>
+
+<file path=ppt/slides/slide14.xml><?xml version="1.0" encoding="utf-8"?>
+<p:sld xmlns:a="http://schemas.openxmlformats.org/drawingml/2006/main" xmlns:r="http://schemas.openxmlformats.org/officeDocument/2006/relationships" xmlns:p="http://schemas.openxmlformats.org/presentationml/2006/main">
+  <p:cSld>
+    <p:bg>
+      <p:bgPr>
+        <a:solidFill>
+          <a:schemeClr val="bg2"/>
+        </a:solidFill>
+        <a:effectLst/>
+      </p:bgPr>
+    </p:bg>
+    <p:spTree>
+      <p:nvGrpSpPr>
+        <p:cNvPr id="1" name=""/>
+        <p:cNvGrpSpPr/>
+        <p:nvPr/>
+      </p:nvGrpSpPr>
+      <p:grpSpPr>
+        <a:xfrm>
+          <a:off x="0" y="0"/>
+          <a:ext cx="0" cy="0"/>
+          <a:chOff x="0" y="0"/>
+          <a:chExt cx="0" cy="0"/>
+        </a:xfrm>
+      </p:grpSpPr>
+      <p:sp>
+        <p:nvSpPr>
+          <p:cNvPr id="10" name="Rectangle 9">
+            <a:extLst>
+              <a:ext uri="{FF2B5EF4-FFF2-40B4-BE49-F238E27FC236}">
+                <a16:creationId xmlns:a16="http://schemas.microsoft.com/office/drawing/2014/main" id="{1ED69555-EE48-4B19-812B-4E1068DBF976}"/>
+              </a:ext>
+              <a:ext uri="{C183D7F6-B498-43B3-948B-1728B52AA6E4}">
+                <adec:decorative xmlns:adec="http://schemas.microsoft.com/office/drawing/2017/decorative" val="1"/>
+              </a:ext>
+            </a:extLst>
+          </p:cNvPr>
+          <p:cNvSpPr>
+            <a:spLocks noGrp="1" noRot="1" noChangeAspect="1" noMove="1" noResize="1" noEditPoints="1" noAdjustHandles="1" noChangeArrowheads="1" noChangeShapeType="1" noTextEdit="1"/>
+          </p:cNvSpPr>
+          <p:nvPr>
+            <p:extLst>
+              <p:ext uri="{386F3935-93C4-4BCD-93E2-E3B085C9AB24}">
+                <p16:designElem xmlns:p16="http://schemas.microsoft.com/office/powerpoint/2015/main" val="1"/>
+              </p:ext>
+            </p:extLst>
+          </p:nvPr>
+        </p:nvSpPr>
+        <p:spPr>
+          <a:xfrm>
+            <a:off x="7573754" y="0"/>
+            <a:ext cx="4618246" cy="6858000"/>
+          </a:xfrm>
+          <a:prstGeom prst="rect">
+            <a:avLst/>
+          </a:prstGeom>
+          <a:solidFill>
+            <a:schemeClr val="bg1">
+              <a:alpha val="75000"/>
+            </a:schemeClr>
+          </a:solidFill>
+          <a:ln>
+            <a:noFill/>
+          </a:ln>
+        </p:spPr>
+        <p:style>
+          <a:lnRef idx="2">
+            <a:schemeClr val="accent1">
+              <a:shade val="50000"/>
+            </a:schemeClr>
+          </a:lnRef>
+          <a:fillRef idx="1">
+            <a:schemeClr val="accent1"/>
+          </a:fillRef>
+          <a:effectRef idx="0">
+            <a:schemeClr val="accent1"/>
+          </a:effectRef>
+          <a:fontRef idx="minor">
+            <a:schemeClr val="lt1"/>
+          </a:fontRef>
+        </p:style>
+        <p:txBody>
+          <a:bodyPr rtlCol="0" anchor="ctr"/>
+          <a:lstStyle/>
+          <a:p>
+            <a:pPr algn="ctr"/>
+            <a:endParaRPr lang="en-US"/>
+          </a:p>
+        </p:txBody>
+      </p:sp>
+      <p:sp>
+        <p:nvSpPr>
+          <p:cNvPr id="12" name="Freeform 57">
+            <a:extLst>
+              <a:ext uri="{FF2B5EF4-FFF2-40B4-BE49-F238E27FC236}">
+                <a16:creationId xmlns:a16="http://schemas.microsoft.com/office/drawing/2014/main" id="{57AEB73D-F521-4B19-820F-12DB6BCC8406}"/>
+              </a:ext>
+              <a:ext uri="{C183D7F6-B498-43B3-948B-1728B52AA6E4}">
+                <adec:decorative xmlns:adec="http://schemas.microsoft.com/office/drawing/2017/decorative" val="1"/>
+              </a:ext>
+            </a:extLst>
+          </p:cNvPr>
+          <p:cNvSpPr>
+            <a:spLocks noGrp="1" noRot="1" noChangeAspect="1" noMove="1" noResize="1" noEditPoints="1" noAdjustHandles="1" noChangeArrowheads="1" noChangeShapeType="1" noTextEdit="1"/>
+          </p:cNvSpPr>
+          <p:nvPr>
+            <p:extLst>
+              <p:ext uri="{386F3935-93C4-4BCD-93E2-E3B085C9AB24}">
+                <p16:designElem xmlns:p16="http://schemas.microsoft.com/office/powerpoint/2015/main" val="1"/>
+              </p:ext>
+            </p:extLst>
+          </p:nvPr>
+        </p:nvSpPr>
+        <p:spPr bwMode="auto">
+          <a:xfrm>
+            <a:off x="4456113" y="31750"/>
+            <a:ext cx="0" cy="1588"/>
+          </a:xfrm>
+          <a:custGeom>
+            <a:avLst/>
+            <a:gdLst/>
+            <a:ahLst/>
+            <a:cxnLst/>
+            <a:rect l="0" t="0" r="r" b="b"/>
+            <a:pathLst>
+              <a:path w="2" h="2">
+                <a:moveTo>
+                  <a:pt x="0" y="0"/>
+                </a:moveTo>
+                <a:lnTo>
+                  <a:pt x="2" y="0"/>
+                </a:lnTo>
+                <a:lnTo>
+                  <a:pt x="0" y="2"/>
+                </a:lnTo>
+                <a:lnTo>
+                  <a:pt x="0" y="0"/>
+                </a:lnTo>
+                <a:close/>
+              </a:path>
+            </a:pathLst>
+          </a:custGeom>
+          <a:solidFill>
+            <a:srgbClr val="30466D"/>
+          </a:solidFill>
+          <a:ln w="0">
+            <a:solidFill>
+              <a:srgbClr val="30466D"/>
+            </a:solidFill>
+            <a:prstDash val="solid"/>
+            <a:round/>
+            <a:headEnd/>
+            <a:tailEnd/>
+          </a:ln>
+        </p:spPr>
+      </p:sp>
+      <p:sp>
+        <p:nvSpPr>
+          <p:cNvPr id="14" name="Rectangle 13">
+            <a:extLst>
+              <a:ext uri="{FF2B5EF4-FFF2-40B4-BE49-F238E27FC236}">
+                <a16:creationId xmlns:a16="http://schemas.microsoft.com/office/drawing/2014/main" id="{6B72EEBA-3A5D-41CE-8465-A45A0F65674E}"/>
+              </a:ext>
+              <a:ext uri="{C183D7F6-B498-43B3-948B-1728B52AA6E4}">
+                <adec:decorative xmlns:adec="http://schemas.microsoft.com/office/drawing/2017/decorative" val="1"/>
+              </a:ext>
+            </a:extLst>
+          </p:cNvPr>
+          <p:cNvSpPr>
+            <a:spLocks noGrp="1" noRot="1" noChangeAspect="1" noMove="1" noResize="1" noEditPoints="1" noAdjustHandles="1" noChangeArrowheads="1" noChangeShapeType="1" noTextEdit="1"/>
+          </p:cNvSpPr>
+          <p:nvPr>
+            <p:extLst>
+              <p:ext uri="{386F3935-93C4-4BCD-93E2-E3B085C9AB24}">
+                <p16:designElem xmlns:p16="http://schemas.microsoft.com/office/powerpoint/2015/main" val="1"/>
+              </p:ext>
+            </p:extLst>
+          </p:nvPr>
+        </p:nvSpPr>
+        <p:spPr>
+          <a:xfrm rot="5400000">
+            <a:off x="4101215" y="3396997"/>
+            <a:ext cx="6858002" cy="64008"/>
+          </a:xfrm>
+          <a:prstGeom prst="rect">
+            <a:avLst/>
+          </a:prstGeom>
+          <a:solidFill>
+            <a:schemeClr val="tx2"/>
+          </a:solidFill>
+          <a:ln>
+            <a:noFill/>
+          </a:ln>
+        </p:spPr>
+        <p:style>
+          <a:lnRef idx="2">
+            <a:schemeClr val="accent1">
+              <a:shade val="50000"/>
+            </a:schemeClr>
+          </a:lnRef>
+          <a:fillRef idx="1">
+            <a:schemeClr val="accent1"/>
+          </a:fillRef>
+          <a:effectRef idx="0">
+            <a:schemeClr val="accent1"/>
+          </a:effectRef>
+          <a:fontRef idx="minor">
+            <a:schemeClr val="lt1"/>
+          </a:fontRef>
+        </p:style>
+        <p:txBody>
+          <a:bodyPr rtlCol="0" anchor="ctr"/>
+          <a:lstStyle/>
+          <a:p>
+            <a:pPr algn="ctr"/>
+            <a:endParaRPr lang="en-US"/>
+          </a:p>
+        </p:txBody>
+      </p:sp>
+      <p:sp useBgFill="1">
+        <p:nvSpPr>
+          <p:cNvPr id="16" name="Rectangle 15">
+            <a:extLst>
+              <a:ext uri="{FF2B5EF4-FFF2-40B4-BE49-F238E27FC236}">
+                <a16:creationId xmlns:a16="http://schemas.microsoft.com/office/drawing/2014/main" id="{EA164D6B-6878-4B9F-A2D0-985D39B17B46}"/>
+              </a:ext>
+              <a:ext uri="{C183D7F6-B498-43B3-948B-1728B52AA6E4}">
+                <adec:decorative xmlns:adec="http://schemas.microsoft.com/office/drawing/2017/decorative" val="1"/>
+              </a:ext>
+            </a:extLst>
+          </p:cNvPr>
+          <p:cNvSpPr>
+            <a:spLocks noGrp="1" noRot="1" noChangeAspect="1" noMove="1" noResize="1" noEditPoints="1" noAdjustHandles="1" noChangeArrowheads="1" noChangeShapeType="1" noTextEdit="1"/>
+          </p:cNvSpPr>
+          <p:nvPr>
+            <p:extLst>
+              <p:ext uri="{386F3935-93C4-4BCD-93E2-E3B085C9AB24}">
+                <p16:designElem xmlns:p16="http://schemas.microsoft.com/office/powerpoint/2015/main" val="1"/>
+              </p:ext>
+            </p:extLst>
+          </p:nvPr>
+        </p:nvSpPr>
+        <p:spPr>
+          <a:xfrm>
+            <a:off x="0" y="0"/>
+            <a:ext cx="12192001" cy="6858000"/>
+          </a:xfrm>
+          <a:prstGeom prst="rect">
+            <a:avLst/>
+          </a:prstGeom>
+          <a:ln>
+            <a:noFill/>
+          </a:ln>
+        </p:spPr>
+        <p:style>
+          <a:lnRef idx="2">
+            <a:schemeClr val="accent1">
+              <a:shade val="50000"/>
+            </a:schemeClr>
+          </a:lnRef>
+          <a:fillRef idx="1">
+            <a:schemeClr val="accent1"/>
+          </a:fillRef>
+          <a:effectRef idx="0">
+            <a:schemeClr val="accent1"/>
+          </a:effectRef>
+          <a:fontRef idx="minor">
+            <a:schemeClr val="lt1"/>
+          </a:fontRef>
+        </p:style>
+        <p:txBody>
+          <a:bodyPr rtlCol="0" anchor="ctr"/>
+          <a:lstStyle/>
+          <a:p>
+            <a:pPr algn="ctr"/>
+            <a:endParaRPr lang="en-US" dirty="0"/>
+          </a:p>
+        </p:txBody>
+      </p:sp>
+      <p:pic>
+        <p:nvPicPr>
+          <p:cNvPr id="7" name="Graphic 6" descr="Question mark">
+            <a:extLst>
+              <a:ext uri="{FF2B5EF4-FFF2-40B4-BE49-F238E27FC236}">
+                <a16:creationId xmlns:a16="http://schemas.microsoft.com/office/drawing/2014/main" id="{F645FEFF-C6D1-E06F-1BD7-BEFB68C33DCD}"/>
+              </a:ext>
+            </a:extLst>
+          </p:cNvPr>
+          <p:cNvPicPr>
+            <a:picLocks noChangeAspect="1"/>
+          </p:cNvPicPr>
+          <p:nvPr/>
+        </p:nvPicPr>
+        <p:blipFill>
+          <a:blip r:embed="rId2">
+            <a:extLst>
+              <a:ext uri="{28A0092B-C50C-407E-A947-70E740481C1C}">
+                <a14:useLocalDpi xmlns:a14="http://schemas.microsoft.com/office/drawing/2010/main" val="0"/>
+              </a:ext>
+              <a:ext uri="{96DAC541-7B7A-43D3-8B79-37D633B846F1}">
+                <asvg:svgBlip xmlns:asvg="http://schemas.microsoft.com/office/drawing/2016/SVG/main" r:embed="rId3"/>
+              </a:ext>
+            </a:extLst>
+          </a:blip>
+          <a:stretch>
+            <a:fillRect/>
+          </a:stretch>
+        </p:blipFill>
+        <p:spPr>
+          <a:xfrm>
+            <a:off x="1300822" y="599091"/>
+            <a:ext cx="4901848" cy="4901848"/>
+          </a:xfrm>
+          <a:prstGeom prst="rect">
+            <a:avLst/>
+          </a:prstGeom>
+        </p:spPr>
+      </p:pic>
+      <p:sp>
+        <p:nvSpPr>
+          <p:cNvPr id="18" name="Rectangle 17">
+            <a:extLst>
+              <a:ext uri="{FF2B5EF4-FFF2-40B4-BE49-F238E27FC236}">
+                <a16:creationId xmlns:a16="http://schemas.microsoft.com/office/drawing/2014/main" id="{064738AB-B6BE-4867-889A-52CE4AC8DBD0}"/>
+              </a:ext>
+              <a:ext uri="{C183D7F6-B498-43B3-948B-1728B52AA6E4}">
+                <adec:decorative xmlns:adec="http://schemas.microsoft.com/office/drawing/2017/decorative" val="1"/>
+              </a:ext>
+            </a:extLst>
+          </p:cNvPr>
+          <p:cNvSpPr>
+            <a:spLocks noGrp="1" noRot="1" noChangeAspect="1" noMove="1" noResize="1" noEditPoints="1" noAdjustHandles="1" noChangeArrowheads="1" noChangeShapeType="1" noTextEdit="1"/>
+          </p:cNvSpPr>
+          <p:nvPr>
+            <p:extLst>
+              <p:ext uri="{386F3935-93C4-4BCD-93E2-E3B085C9AB24}">
+                <p16:designElem xmlns:p16="http://schemas.microsoft.com/office/powerpoint/2015/main" val="1"/>
+              </p:ext>
+            </p:extLst>
+          </p:nvPr>
+        </p:nvSpPr>
+        <p:spPr>
+          <a:xfrm>
+            <a:off x="7585468" y="0"/>
+            <a:ext cx="4603482" cy="6112401"/>
+          </a:xfrm>
+          <a:prstGeom prst="rect">
+            <a:avLst/>
+          </a:prstGeom>
+          <a:solidFill>
+            <a:schemeClr val="bg1">
+              <a:alpha val="75000"/>
+            </a:schemeClr>
+          </a:solidFill>
+          <a:ln>
+            <a:noFill/>
+          </a:ln>
+        </p:spPr>
+        <p:style>
+          <a:lnRef idx="2">
+            <a:schemeClr val="accent1">
+              <a:shade val="50000"/>
+            </a:schemeClr>
+          </a:lnRef>
+          <a:fillRef idx="1">
+            <a:schemeClr val="accent1"/>
+          </a:fillRef>
+          <a:effectRef idx="0">
+            <a:schemeClr val="accent1"/>
+          </a:effectRef>
+          <a:fontRef idx="minor">
+            <a:schemeClr val="lt1"/>
+          </a:fontRef>
+        </p:style>
+        <p:txBody>
+          <a:bodyPr rtlCol="0" anchor="ctr"/>
+          <a:lstStyle/>
+          <a:p>
+            <a:pPr algn="ctr"/>
+            <a:endParaRPr lang="en-US"/>
+          </a:p>
+        </p:txBody>
+      </p:sp>
+      <p:sp>
+        <p:nvSpPr>
+          <p:cNvPr id="2" name="Title 1">
+            <a:extLst>
+              <a:ext uri="{FF2B5EF4-FFF2-40B4-BE49-F238E27FC236}">
+                <a16:creationId xmlns:a16="http://schemas.microsoft.com/office/drawing/2014/main" id="{C66A212A-F7BD-4E66-891B-FE3032C18093}"/>
+              </a:ext>
+            </a:extLst>
+          </p:cNvPr>
+          <p:cNvSpPr>
+            <a:spLocks noGrp="1"/>
+          </p:cNvSpPr>
+          <p:nvPr>
+            <p:ph type="title"/>
+          </p:nvPr>
+        </p:nvSpPr>
+        <p:spPr>
+          <a:xfrm>
+            <a:off x="7973503" y="1709530"/>
+            <a:ext cx="3754671" cy="2528515"/>
+          </a:xfrm>
+        </p:spPr>
+        <p:txBody>
+          <a:bodyPr vert="horz" lIns="109728" tIns="109728" rIns="109728" bIns="91440" rtlCol="0" anchor="b">
+            <a:normAutofit/>
+          </a:bodyPr>
+          <a:lstStyle/>
+          <a:p>
+            <a:pPr>
+              <a:lnSpc>
+                <a:spcPct val="125000"/>
+              </a:lnSpc>
+            </a:pPr>
+            <a:r>
+              <a:rPr lang="en-US" b="0" cap="all" dirty="0">
+                <a:solidFill>
+                  <a:schemeClr val="tx2"/>
+                </a:solidFill>
+              </a:rPr>
+              <a:t>Questions?</a:t>
+            </a:r>
+          </a:p>
+        </p:txBody>
+      </p:sp>
+      <p:sp>
+        <p:nvSpPr>
+          <p:cNvPr id="20" name="Rectangle 19">
+            <a:extLst>
+              <a:ext uri="{FF2B5EF4-FFF2-40B4-BE49-F238E27FC236}">
+                <a16:creationId xmlns:a16="http://schemas.microsoft.com/office/drawing/2014/main" id="{57851D67-7085-40E2-B146-F91433A28E08}"/>
+              </a:ext>
+              <a:ext uri="{C183D7F6-B498-43B3-948B-1728B52AA6E4}">
+                <adec:decorative xmlns:adec="http://schemas.microsoft.com/office/drawing/2017/decorative" val="1"/>
+              </a:ext>
+            </a:extLst>
+          </p:cNvPr>
+          <p:cNvSpPr>
+            <a:spLocks noGrp="1" noRot="1" noChangeAspect="1" noMove="1" noResize="1" noEditPoints="1" noAdjustHandles="1" noChangeArrowheads="1" noChangeShapeType="1" noTextEdit="1"/>
+          </p:cNvSpPr>
+          <p:nvPr>
+            <p:extLst>
+              <p:ext uri="{386F3935-93C4-4BCD-93E2-E3B085C9AB24}">
+                <p16:designElem xmlns:p16="http://schemas.microsoft.com/office/powerpoint/2015/main" val="1"/>
+              </p:ext>
+            </p:extLst>
+          </p:nvPr>
+        </p:nvSpPr>
+        <p:spPr>
+          <a:xfrm>
+            <a:off x="0" y="6144405"/>
+            <a:ext cx="7534656" cy="713595"/>
+          </a:xfrm>
+          <a:prstGeom prst="rect">
+            <a:avLst/>
+          </a:prstGeom>
+          <a:solidFill>
+            <a:schemeClr val="bg1">
+              <a:alpha val="75000"/>
+            </a:schemeClr>
+          </a:solidFill>
+          <a:ln>
+            <a:noFill/>
+          </a:ln>
+        </p:spPr>
+        <p:style>
+          <a:lnRef idx="2">
+            <a:schemeClr val="accent1">
+              <a:shade val="50000"/>
+            </a:schemeClr>
+          </a:lnRef>
+          <a:fillRef idx="1">
+            <a:schemeClr val="accent1"/>
+          </a:fillRef>
+          <a:effectRef idx="0">
+            <a:schemeClr val="accent1"/>
+          </a:effectRef>
+          <a:fontRef idx="minor">
+            <a:schemeClr val="lt1"/>
+          </a:fontRef>
+        </p:style>
+        <p:txBody>
+          <a:bodyPr rtlCol="0" anchor="ctr"/>
+          <a:lstStyle/>
+          <a:p>
+            <a:pPr algn="ctr"/>
+            <a:endParaRPr lang="en-US"/>
+          </a:p>
+        </p:txBody>
+      </p:sp>
+      <p:sp>
+        <p:nvSpPr>
+          <p:cNvPr id="22" name="Rectangle 21">
+            <a:extLst>
+              <a:ext uri="{FF2B5EF4-FFF2-40B4-BE49-F238E27FC236}">
+                <a16:creationId xmlns:a16="http://schemas.microsoft.com/office/drawing/2014/main" id="{985AAE23-FCB6-4663-907C-0110B0FDC58E}"/>
+              </a:ext>
+              <a:ext uri="{C183D7F6-B498-43B3-948B-1728B52AA6E4}">
+                <adec:decorative xmlns:adec="http://schemas.microsoft.com/office/drawing/2017/decorative" val="1"/>
+              </a:ext>
+            </a:extLst>
+          </p:cNvPr>
+          <p:cNvSpPr>
+            <a:spLocks noGrp="1" noRot="1" noChangeAspect="1" noMove="1" noResize="1" noEditPoints="1" noAdjustHandles="1" noChangeArrowheads="1" noChangeShapeType="1" noTextEdit="1"/>
+          </p:cNvSpPr>
+          <p:nvPr>
+            <p:extLst>
+              <p:ext uri="{386F3935-93C4-4BCD-93E2-E3B085C9AB24}">
+                <p16:designElem xmlns:p16="http://schemas.microsoft.com/office/powerpoint/2015/main" val="1"/>
+              </p:ext>
+            </p:extLst>
+          </p:nvPr>
+        </p:nvSpPr>
+        <p:spPr>
+          <a:xfrm>
+            <a:off x="7585468" y="6167615"/>
+            <a:ext cx="4603482" cy="690385"/>
+          </a:xfrm>
+          <a:prstGeom prst="rect">
+            <a:avLst/>
+          </a:prstGeom>
+          <a:solidFill>
+            <a:schemeClr val="bg1">
+              <a:alpha val="75000"/>
+            </a:schemeClr>
+          </a:solidFill>
+          <a:ln>
+            <a:noFill/>
+          </a:ln>
+        </p:spPr>
+        <p:style>
+          <a:lnRef idx="2">
+            <a:schemeClr val="accent1">
+              <a:shade val="50000"/>
+            </a:schemeClr>
+          </a:lnRef>
+          <a:fillRef idx="1">
+            <a:schemeClr val="accent1"/>
+          </a:fillRef>
+          <a:effectRef idx="0">
+            <a:schemeClr val="accent1"/>
+          </a:effectRef>
+          <a:fontRef idx="minor">
+            <a:schemeClr val="lt1"/>
+          </a:fontRef>
+        </p:style>
+        <p:txBody>
+          <a:bodyPr rtlCol="0" anchor="ctr"/>
+          <a:lstStyle/>
+          <a:p>
+            <a:pPr algn="ctr"/>
+            <a:endParaRPr lang="en-US"/>
+          </a:p>
+        </p:txBody>
+      </p:sp>
+      <p:sp>
+        <p:nvSpPr>
+          <p:cNvPr id="24" name="Rectangle 23">
+            <a:extLst>
+              <a:ext uri="{FF2B5EF4-FFF2-40B4-BE49-F238E27FC236}">
+                <a16:creationId xmlns:a16="http://schemas.microsoft.com/office/drawing/2014/main" id="{9C969C2C-E7E3-4052-87D4-61E733EC1BBD}"/>
+              </a:ext>
+              <a:ext uri="{C183D7F6-B498-43B3-948B-1728B52AA6E4}">
+                <adec:decorative xmlns:adec="http://schemas.microsoft.com/office/drawing/2017/decorative" val="1"/>
+              </a:ext>
+            </a:extLst>
+          </p:cNvPr>
+          <p:cNvSpPr>
+            <a:spLocks noGrp="1" noRot="1" noChangeAspect="1" noMove="1" noResize="1" noEditPoints="1" noAdjustHandles="1" noChangeArrowheads="1" noChangeShapeType="1" noTextEdit="1"/>
+          </p:cNvSpPr>
+          <p:nvPr>
+            <p:extLst>
+              <p:ext uri="{386F3935-93C4-4BCD-93E2-E3B085C9AB24}">
+                <p16:designElem xmlns:p16="http://schemas.microsoft.com/office/powerpoint/2015/main" val="1"/>
+              </p:ext>
+            </p:extLst>
+          </p:nvPr>
+        </p:nvSpPr>
+        <p:spPr>
+          <a:xfrm>
+            <a:off x="1525" y="6112401"/>
+            <a:ext cx="12188951" cy="64008"/>
+          </a:xfrm>
+          <a:prstGeom prst="rect">
+            <a:avLst/>
+          </a:prstGeom>
+          <a:solidFill>
+            <a:schemeClr val="tx2"/>
+          </a:solidFill>
+          <a:ln>
+            <a:noFill/>
+          </a:ln>
+        </p:spPr>
+        <p:style>
+          <a:lnRef idx="2">
+            <a:schemeClr val="accent1">
+              <a:shade val="50000"/>
+            </a:schemeClr>
+          </a:lnRef>
+          <a:fillRef idx="1">
+            <a:schemeClr val="accent1"/>
+          </a:fillRef>
+          <a:effectRef idx="0">
+            <a:schemeClr val="accent1"/>
+          </a:effectRef>
+          <a:fontRef idx="minor">
+            <a:schemeClr val="lt1"/>
+          </a:fontRef>
+        </p:style>
+        <p:txBody>
+          <a:bodyPr rtlCol="0" anchor="ctr"/>
+          <a:lstStyle/>
+          <a:p>
+            <a:pPr algn="ctr"/>
+            <a:endParaRPr lang="en-US"/>
+          </a:p>
+        </p:txBody>
+      </p:sp>
+      <p:sp>
+        <p:nvSpPr>
+          <p:cNvPr id="26" name="Rectangle 25">
+            <a:extLst>
+              <a:ext uri="{FF2B5EF4-FFF2-40B4-BE49-F238E27FC236}">
+                <a16:creationId xmlns:a16="http://schemas.microsoft.com/office/drawing/2014/main" id="{7C60369F-A41B-4D6E-8990-30E2715C5730}"/>
+              </a:ext>
+              <a:ext uri="{C183D7F6-B498-43B3-948B-1728B52AA6E4}">
+                <adec:decorative xmlns:adec="http://schemas.microsoft.com/office/drawing/2017/decorative" val="1"/>
+              </a:ext>
+            </a:extLst>
+          </p:cNvPr>
+          <p:cNvSpPr>
+            <a:spLocks noGrp="1" noRot="1" noChangeAspect="1" noMove="1" noResize="1" noEditPoints="1" noAdjustHandles="1" noChangeArrowheads="1" noChangeShapeType="1" noTextEdit="1"/>
+          </p:cNvSpPr>
+          <p:nvPr>
+            <p:extLst>
+              <p:ext uri="{386F3935-93C4-4BCD-93E2-E3B085C9AB24}">
+                <p16:designElem xmlns:p16="http://schemas.microsoft.com/office/powerpoint/2015/main" val="1"/>
+              </p:ext>
+            </p:extLst>
+          </p:nvPr>
+        </p:nvSpPr>
+        <p:spPr>
+          <a:xfrm>
+            <a:off x="7521459" y="0"/>
+            <a:ext cx="64008" cy="6858000"/>
+          </a:xfrm>
+          <a:prstGeom prst="rect">
+            <a:avLst/>
+          </a:prstGeom>
+          <a:solidFill>
+            <a:schemeClr val="tx2"/>
+          </a:solidFill>
+          <a:ln>
+            <a:noFill/>
+          </a:ln>
+        </p:spPr>
+        <p:style>
+          <a:lnRef idx="2">
+            <a:schemeClr val="accent1">
+              <a:shade val="50000"/>
+            </a:schemeClr>
+          </a:lnRef>
+          <a:fillRef idx="1">
+            <a:schemeClr val="accent1"/>
+          </a:fillRef>
+          <a:effectRef idx="0">
+            <a:schemeClr val="accent1"/>
+          </a:effectRef>
+          <a:fontRef idx="minor">
+            <a:schemeClr val="lt1"/>
+          </a:fontRef>
+        </p:style>
+        <p:txBody>
+          <a:bodyPr rtlCol="0" anchor="ctr"/>
+          <a:lstStyle/>
+          <a:p>
+            <a:pPr algn="ctr"/>
+            <a:endParaRPr lang="en-US"/>
+          </a:p>
+        </p:txBody>
+      </p:sp>
+    </p:spTree>
+    <p:extLst>
+      <p:ext uri="{BB962C8B-B14F-4D97-AF65-F5344CB8AC3E}">
+        <p14:creationId xmlns:p14="http://schemas.microsoft.com/office/powerpoint/2010/main" val="682478427"/>
+      </p:ext>
+    </p:extLst>
+  </p:cSld>
+  <p:clrMapOvr>
+    <a:masterClrMapping/>
+  </p:clrMapOvr>
+</p:sld>
+</file>
+
+<file path=ppt/slides/slide15.xml><?xml version="1.0" encoding="utf-8"?>
+<p:sld xmlns:a="http://schemas.openxmlformats.org/drawingml/2006/main" xmlns:r="http://schemas.openxmlformats.org/officeDocument/2006/relationships" xmlns:p="http://schemas.openxmlformats.org/presentationml/2006/main">
+  <p:cSld>
+    <p:bg>
+      <p:bgPr>
+        <a:solidFill>
+          <a:schemeClr val="bg2"/>
+        </a:solidFill>
+        <a:effectLst/>
+      </p:bgPr>
+    </p:bg>
+    <p:spTree>
+      <p:nvGrpSpPr>
+        <p:cNvPr id="1" name=""/>
+        <p:cNvGrpSpPr/>
+        <p:nvPr/>
+      </p:nvGrpSpPr>
+      <p:grpSpPr>
+        <a:xfrm>
+          <a:off x="0" y="0"/>
+          <a:ext cx="0" cy="0"/>
+          <a:chOff x="0" y="0"/>
+          <a:chExt cx="0" cy="0"/>
+        </a:xfrm>
+      </p:grpSpPr>
+      <p:sp>
+        <p:nvSpPr>
+          <p:cNvPr id="10" name="Rectangle 9">
+            <a:extLst>
+              <a:ext uri="{FF2B5EF4-FFF2-40B4-BE49-F238E27FC236}">
+                <a16:creationId xmlns:a16="http://schemas.microsoft.com/office/drawing/2014/main" id="{1ED69555-EE48-4B19-812B-4E1068DBF976}"/>
+              </a:ext>
+              <a:ext uri="{C183D7F6-B498-43B3-948B-1728B52AA6E4}">
+                <adec:decorative xmlns:adec="http://schemas.microsoft.com/office/drawing/2017/decorative" val="1"/>
+              </a:ext>
+            </a:extLst>
+          </p:cNvPr>
+          <p:cNvSpPr>
+            <a:spLocks noGrp="1" noRot="1" noChangeAspect="1" noMove="1" noResize="1" noEditPoints="1" noAdjustHandles="1" noChangeArrowheads="1" noChangeShapeType="1" noTextEdit="1"/>
+          </p:cNvSpPr>
+          <p:nvPr>
+            <p:extLst>
+              <p:ext uri="{386F3935-93C4-4BCD-93E2-E3B085C9AB24}">
+                <p16:designElem xmlns:p16="http://schemas.microsoft.com/office/powerpoint/2015/main" val="1"/>
+              </p:ext>
+            </p:extLst>
+          </p:nvPr>
+        </p:nvSpPr>
+        <p:spPr>
+          <a:xfrm>
+            <a:off x="7573754" y="0"/>
+            <a:ext cx="4618246" cy="6858000"/>
+          </a:xfrm>
+          <a:prstGeom prst="rect">
+            <a:avLst/>
+          </a:prstGeom>
+          <a:solidFill>
+            <a:schemeClr val="bg1">
+              <a:alpha val="75000"/>
+            </a:schemeClr>
+          </a:solidFill>
+          <a:ln>
+            <a:noFill/>
+          </a:ln>
+        </p:spPr>
+        <p:style>
+          <a:lnRef idx="2">
+            <a:schemeClr val="accent1">
+              <a:shade val="50000"/>
+            </a:schemeClr>
+          </a:lnRef>
+          <a:fillRef idx="1">
+            <a:schemeClr val="accent1"/>
+          </a:fillRef>
+          <a:effectRef idx="0">
+            <a:schemeClr val="accent1"/>
+          </a:effectRef>
+          <a:fontRef idx="minor">
+            <a:schemeClr val="lt1"/>
+          </a:fontRef>
+        </p:style>
+        <p:txBody>
+          <a:bodyPr rtlCol="0" anchor="ctr"/>
+          <a:lstStyle/>
+          <a:p>
+            <a:pPr algn="ctr"/>
+            <a:endParaRPr lang="en-US"/>
+          </a:p>
+        </p:txBody>
+      </p:sp>
+      <p:sp>
+        <p:nvSpPr>
+          <p:cNvPr id="12" name="Freeform 57">
+            <a:extLst>
+              <a:ext uri="{FF2B5EF4-FFF2-40B4-BE49-F238E27FC236}">
+                <a16:creationId xmlns:a16="http://schemas.microsoft.com/office/drawing/2014/main" id="{57AEB73D-F521-4B19-820F-12DB6BCC8406}"/>
+              </a:ext>
+              <a:ext uri="{C183D7F6-B498-43B3-948B-1728B52AA6E4}">
+                <adec:decorative xmlns:adec="http://schemas.microsoft.com/office/drawing/2017/decorative" val="1"/>
+              </a:ext>
+            </a:extLst>
+          </p:cNvPr>
+          <p:cNvSpPr>
+            <a:spLocks noGrp="1" noRot="1" noChangeAspect="1" noMove="1" noResize="1" noEditPoints="1" noAdjustHandles="1" noChangeArrowheads="1" noChangeShapeType="1" noTextEdit="1"/>
+          </p:cNvSpPr>
+          <p:nvPr>
+            <p:extLst>
+              <p:ext uri="{386F3935-93C4-4BCD-93E2-E3B085C9AB24}">
+                <p16:designElem xmlns:p16="http://schemas.microsoft.com/office/powerpoint/2015/main" val="1"/>
+              </p:ext>
+            </p:extLst>
+          </p:nvPr>
+        </p:nvSpPr>
+        <p:spPr bwMode="auto">
+          <a:xfrm>
+            <a:off x="4456113" y="31750"/>
+            <a:ext cx="0" cy="1588"/>
+          </a:xfrm>
+          <a:custGeom>
+            <a:avLst/>
+            <a:gdLst/>
+            <a:ahLst/>
+            <a:cxnLst/>
+            <a:rect l="0" t="0" r="r" b="b"/>
+            <a:pathLst>
+              <a:path w="2" h="2">
+                <a:moveTo>
+                  <a:pt x="0" y="0"/>
+                </a:moveTo>
+                <a:lnTo>
+                  <a:pt x="2" y="0"/>
+                </a:lnTo>
+                <a:lnTo>
+                  <a:pt x="0" y="2"/>
+                </a:lnTo>
+                <a:lnTo>
+                  <a:pt x="0" y="0"/>
+                </a:lnTo>
+                <a:close/>
+              </a:path>
+            </a:pathLst>
+          </a:custGeom>
+          <a:solidFill>
+            <a:srgbClr val="30466D"/>
+          </a:solidFill>
+          <a:ln w="0">
+            <a:solidFill>
+              <a:srgbClr val="30466D"/>
+            </a:solidFill>
+            <a:prstDash val="solid"/>
+            <a:round/>
+            <a:headEnd/>
+            <a:tailEnd/>
+          </a:ln>
+        </p:spPr>
+      </p:sp>
+      <p:sp>
+        <p:nvSpPr>
+          <p:cNvPr id="14" name="Rectangle 13">
+            <a:extLst>
+              <a:ext uri="{FF2B5EF4-FFF2-40B4-BE49-F238E27FC236}">
+                <a16:creationId xmlns:a16="http://schemas.microsoft.com/office/drawing/2014/main" id="{6B72EEBA-3A5D-41CE-8465-A45A0F65674E}"/>
+              </a:ext>
+              <a:ext uri="{C183D7F6-B498-43B3-948B-1728B52AA6E4}">
+                <adec:decorative xmlns:adec="http://schemas.microsoft.com/office/drawing/2017/decorative" val="1"/>
+              </a:ext>
+            </a:extLst>
+          </p:cNvPr>
+          <p:cNvSpPr>
+            <a:spLocks noGrp="1" noRot="1" noChangeAspect="1" noMove="1" noResize="1" noEditPoints="1" noAdjustHandles="1" noChangeArrowheads="1" noChangeShapeType="1" noTextEdit="1"/>
+          </p:cNvSpPr>
+          <p:nvPr>
+            <p:extLst>
+              <p:ext uri="{386F3935-93C4-4BCD-93E2-E3B085C9AB24}">
+                <p16:designElem xmlns:p16="http://schemas.microsoft.com/office/powerpoint/2015/main" val="1"/>
+              </p:ext>
+            </p:extLst>
+          </p:nvPr>
+        </p:nvSpPr>
+        <p:spPr>
+          <a:xfrm rot="5400000">
+            <a:off x="4101215" y="3396997"/>
+            <a:ext cx="6858002" cy="64008"/>
+          </a:xfrm>
+          <a:prstGeom prst="rect">
+            <a:avLst/>
+          </a:prstGeom>
+          <a:solidFill>
+            <a:schemeClr val="tx2"/>
+          </a:solidFill>
+          <a:ln>
+            <a:noFill/>
+          </a:ln>
+        </p:spPr>
+        <p:style>
+          <a:lnRef idx="2">
+            <a:schemeClr val="accent1">
+              <a:shade val="50000"/>
+            </a:schemeClr>
+          </a:lnRef>
+          <a:fillRef idx="1">
+            <a:schemeClr val="accent1"/>
+          </a:fillRef>
+          <a:effectRef idx="0">
+            <a:schemeClr val="accent1"/>
+          </a:effectRef>
+          <a:fontRef idx="minor">
+            <a:schemeClr val="lt1"/>
+          </a:fontRef>
+        </p:style>
+        <p:txBody>
+          <a:bodyPr rtlCol="0" anchor="ctr"/>
+          <a:lstStyle/>
+          <a:p>
+            <a:pPr algn="ctr"/>
+            <a:endParaRPr lang="en-US"/>
+          </a:p>
+        </p:txBody>
+      </p:sp>
+      <p:sp useBgFill="1">
+        <p:nvSpPr>
+          <p:cNvPr id="16" name="Rectangle 15">
+            <a:extLst>
+              <a:ext uri="{FF2B5EF4-FFF2-40B4-BE49-F238E27FC236}">
+                <a16:creationId xmlns:a16="http://schemas.microsoft.com/office/drawing/2014/main" id="{EA164D6B-6878-4B9F-A2D0-985D39B17B46}"/>
+              </a:ext>
+              <a:ext uri="{C183D7F6-B498-43B3-948B-1728B52AA6E4}">
+                <adec:decorative xmlns:adec="http://schemas.microsoft.com/office/drawing/2017/decorative" val="1"/>
+              </a:ext>
+            </a:extLst>
+          </p:cNvPr>
+          <p:cNvSpPr>
+            <a:spLocks noGrp="1" noRot="1" noChangeAspect="1" noMove="1" noResize="1" noEditPoints="1" noAdjustHandles="1" noChangeArrowheads="1" noChangeShapeType="1" noTextEdit="1"/>
+          </p:cNvSpPr>
+          <p:nvPr>
+            <p:extLst>
+              <p:ext uri="{386F3935-93C4-4BCD-93E2-E3B085C9AB24}">
+                <p16:designElem xmlns:p16="http://schemas.microsoft.com/office/powerpoint/2015/main" val="1"/>
+              </p:ext>
+            </p:extLst>
+          </p:nvPr>
+        </p:nvSpPr>
+        <p:spPr>
+          <a:xfrm>
+            <a:off x="0" y="0"/>
+            <a:ext cx="12192001" cy="6858000"/>
+          </a:xfrm>
+          <a:prstGeom prst="rect">
+            <a:avLst/>
+          </a:prstGeom>
+          <a:ln>
+            <a:noFill/>
+          </a:ln>
+        </p:spPr>
+        <p:style>
+          <a:lnRef idx="2">
+            <a:schemeClr val="accent1">
+              <a:shade val="50000"/>
+            </a:schemeClr>
+          </a:lnRef>
+          <a:fillRef idx="1">
+            <a:schemeClr val="accent1"/>
+          </a:fillRef>
+          <a:effectRef idx="0">
+            <a:schemeClr val="accent1"/>
+          </a:effectRef>
+          <a:fontRef idx="minor">
+            <a:schemeClr val="lt1"/>
+          </a:fontRef>
+        </p:style>
+        <p:txBody>
+          <a:bodyPr rtlCol="0" anchor="ctr"/>
+          <a:lstStyle/>
+          <a:p>
+            <a:pPr algn="ctr"/>
+            <a:endParaRPr lang="en-US" dirty="0"/>
+          </a:p>
+        </p:txBody>
+      </p:sp>
+      <p:pic>
+        <p:nvPicPr>
+          <p:cNvPr id="7" name="Graphic 6" descr="Internet">
+            <a:extLst>
+              <a:ext uri="{FF2B5EF4-FFF2-40B4-BE49-F238E27FC236}">
+                <a16:creationId xmlns:a16="http://schemas.microsoft.com/office/drawing/2014/main" id="{EC7020E9-F701-C2C3-47F4-532CC250601C}"/>
+              </a:ext>
+            </a:extLst>
+          </p:cNvPr>
+          <p:cNvPicPr>
+            <a:picLocks noChangeAspect="1"/>
+          </p:cNvPicPr>
+          <p:nvPr/>
+        </p:nvPicPr>
+        <p:blipFill>
+          <a:blip r:embed="rId2">
+            <a:extLst>
+              <a:ext uri="{28A0092B-C50C-407E-A947-70E740481C1C}">
+                <a14:useLocalDpi xmlns:a14="http://schemas.microsoft.com/office/drawing/2010/main" val="0"/>
+              </a:ext>
+              <a:ext uri="{96DAC541-7B7A-43D3-8B79-37D633B846F1}">
+                <asvg:svgBlip xmlns:asvg="http://schemas.microsoft.com/office/drawing/2016/SVG/main" r:embed="rId3"/>
+              </a:ext>
+            </a:extLst>
+          </a:blip>
+          <a:stretch>
+            <a:fillRect/>
+          </a:stretch>
+        </p:blipFill>
+        <p:spPr>
+          <a:xfrm>
+            <a:off x="1300822" y="599091"/>
+            <a:ext cx="4901848" cy="4901848"/>
+          </a:xfrm>
+          <a:prstGeom prst="rect">
+            <a:avLst/>
+          </a:prstGeom>
+        </p:spPr>
+      </p:pic>
+      <p:sp>
+        <p:nvSpPr>
+          <p:cNvPr id="18" name="Rectangle 17">
+            <a:extLst>
+              <a:ext uri="{FF2B5EF4-FFF2-40B4-BE49-F238E27FC236}">
+                <a16:creationId xmlns:a16="http://schemas.microsoft.com/office/drawing/2014/main" id="{064738AB-B6BE-4867-889A-52CE4AC8DBD0}"/>
+              </a:ext>
+              <a:ext uri="{C183D7F6-B498-43B3-948B-1728B52AA6E4}">
+                <adec:decorative xmlns:adec="http://schemas.microsoft.com/office/drawing/2017/decorative" val="1"/>
+              </a:ext>
+            </a:extLst>
+          </p:cNvPr>
+          <p:cNvSpPr>
+            <a:spLocks noGrp="1" noRot="1" noChangeAspect="1" noMove="1" noResize="1" noEditPoints="1" noAdjustHandles="1" noChangeArrowheads="1" noChangeShapeType="1" noTextEdit="1"/>
+          </p:cNvSpPr>
+          <p:nvPr>
+            <p:extLst>
+              <p:ext uri="{386F3935-93C4-4BCD-93E2-E3B085C9AB24}">
+                <p16:designElem xmlns:p16="http://schemas.microsoft.com/office/powerpoint/2015/main" val="1"/>
+              </p:ext>
+            </p:extLst>
+          </p:nvPr>
+        </p:nvSpPr>
+        <p:spPr>
+          <a:xfrm>
+            <a:off x="7585468" y="0"/>
+            <a:ext cx="4603482" cy="6112401"/>
+          </a:xfrm>
+          <a:prstGeom prst="rect">
+            <a:avLst/>
+          </a:prstGeom>
+          <a:solidFill>
+            <a:schemeClr val="bg1">
+              <a:alpha val="75000"/>
+            </a:schemeClr>
+          </a:solidFill>
+          <a:ln>
+            <a:noFill/>
+          </a:ln>
+        </p:spPr>
+        <p:style>
+          <a:lnRef idx="2">
+            <a:schemeClr val="accent1">
+              <a:shade val="50000"/>
+            </a:schemeClr>
+          </a:lnRef>
+          <a:fillRef idx="1">
+            <a:schemeClr val="accent1"/>
+          </a:fillRef>
+          <a:effectRef idx="0">
+            <a:schemeClr val="accent1"/>
+          </a:effectRef>
+          <a:fontRef idx="minor">
+            <a:schemeClr val="lt1"/>
+          </a:fontRef>
+        </p:style>
+        <p:txBody>
+          <a:bodyPr rtlCol="0" anchor="ctr"/>
+          <a:lstStyle/>
+          <a:p>
+            <a:pPr algn="ctr"/>
+            <a:endParaRPr lang="en-US"/>
+          </a:p>
+        </p:txBody>
+      </p:sp>
+      <p:sp>
+        <p:nvSpPr>
+          <p:cNvPr id="2" name="Title 1">
+            <a:extLst>
+              <a:ext uri="{FF2B5EF4-FFF2-40B4-BE49-F238E27FC236}">
+                <a16:creationId xmlns:a16="http://schemas.microsoft.com/office/drawing/2014/main" id="{A9FE54D4-7868-499E-9A31-87E593036E6D}"/>
+              </a:ext>
+            </a:extLst>
+          </p:cNvPr>
+          <p:cNvSpPr>
+            <a:spLocks noGrp="1"/>
+          </p:cNvSpPr>
+          <p:nvPr>
+            <p:ph type="title"/>
+          </p:nvPr>
+        </p:nvSpPr>
+        <p:spPr>
+          <a:xfrm>
+            <a:off x="7973503" y="1709530"/>
+            <a:ext cx="3754671" cy="2528515"/>
+          </a:xfrm>
+        </p:spPr>
+        <p:txBody>
+          <a:bodyPr vert="horz" lIns="109728" tIns="109728" rIns="109728" bIns="91440" rtlCol="0" anchor="b">
+            <a:normAutofit/>
+          </a:bodyPr>
+          <a:lstStyle/>
+          <a:p>
+            <a:pPr algn="ctr">
+              <a:lnSpc>
+                <a:spcPct val="125000"/>
+              </a:lnSpc>
+            </a:pPr>
+            <a:r>
+              <a:rPr lang="en-US" sz="3300" b="0" cap="all">
+                <a:solidFill>
+                  <a:schemeClr val="tx2"/>
+                </a:solidFill>
+              </a:rPr>
+              <a:t>Next Talk: Linux Post-Exploitation</a:t>
+            </a:r>
+          </a:p>
+        </p:txBody>
+      </p:sp>
+      <p:sp>
+        <p:nvSpPr>
+          <p:cNvPr id="20" name="Rectangle 19">
+            <a:extLst>
+              <a:ext uri="{FF2B5EF4-FFF2-40B4-BE49-F238E27FC236}">
+                <a16:creationId xmlns:a16="http://schemas.microsoft.com/office/drawing/2014/main" id="{57851D67-7085-40E2-B146-F91433A28E08}"/>
+              </a:ext>
+              <a:ext uri="{C183D7F6-B498-43B3-948B-1728B52AA6E4}">
+                <adec:decorative xmlns:adec="http://schemas.microsoft.com/office/drawing/2017/decorative" val="1"/>
+              </a:ext>
+            </a:extLst>
+          </p:cNvPr>
+          <p:cNvSpPr>
+            <a:spLocks noGrp="1" noRot="1" noChangeAspect="1" noMove="1" noResize="1" noEditPoints="1" noAdjustHandles="1" noChangeArrowheads="1" noChangeShapeType="1" noTextEdit="1"/>
+          </p:cNvSpPr>
+          <p:nvPr>
+            <p:extLst>
+              <p:ext uri="{386F3935-93C4-4BCD-93E2-E3B085C9AB24}">
+                <p16:designElem xmlns:p16="http://schemas.microsoft.com/office/powerpoint/2015/main" val="1"/>
+              </p:ext>
+            </p:extLst>
+          </p:nvPr>
+        </p:nvSpPr>
+        <p:spPr>
+          <a:xfrm>
+            <a:off x="0" y="6144405"/>
+            <a:ext cx="7534656" cy="713595"/>
+          </a:xfrm>
+          <a:prstGeom prst="rect">
+            <a:avLst/>
+          </a:prstGeom>
+          <a:solidFill>
+            <a:schemeClr val="bg1">
+              <a:alpha val="75000"/>
+            </a:schemeClr>
+          </a:solidFill>
+          <a:ln>
+            <a:noFill/>
+          </a:ln>
+        </p:spPr>
+        <p:style>
+          <a:lnRef idx="2">
+            <a:schemeClr val="accent1">
+              <a:shade val="50000"/>
+            </a:schemeClr>
+          </a:lnRef>
+          <a:fillRef idx="1">
+            <a:schemeClr val="accent1"/>
+          </a:fillRef>
+          <a:effectRef idx="0">
+            <a:schemeClr val="accent1"/>
+          </a:effectRef>
+          <a:fontRef idx="minor">
+            <a:schemeClr val="lt1"/>
+          </a:fontRef>
+        </p:style>
+        <p:txBody>
+          <a:bodyPr rtlCol="0" anchor="ctr"/>
+          <a:lstStyle/>
+          <a:p>
+            <a:pPr algn="ctr"/>
+            <a:endParaRPr lang="en-US"/>
+          </a:p>
+        </p:txBody>
+      </p:sp>
+      <p:sp>
+        <p:nvSpPr>
+          <p:cNvPr id="22" name="Rectangle 21">
+            <a:extLst>
+              <a:ext uri="{FF2B5EF4-FFF2-40B4-BE49-F238E27FC236}">
+                <a16:creationId xmlns:a16="http://schemas.microsoft.com/office/drawing/2014/main" id="{985AAE23-FCB6-4663-907C-0110B0FDC58E}"/>
+              </a:ext>
+              <a:ext uri="{C183D7F6-B498-43B3-948B-1728B52AA6E4}">
+                <adec:decorative xmlns:adec="http://schemas.microsoft.com/office/drawing/2017/decorative" val="1"/>
+              </a:ext>
+            </a:extLst>
+          </p:cNvPr>
+          <p:cNvSpPr>
+            <a:spLocks noGrp="1" noRot="1" noChangeAspect="1" noMove="1" noResize="1" noEditPoints="1" noAdjustHandles="1" noChangeArrowheads="1" noChangeShapeType="1" noTextEdit="1"/>
+          </p:cNvSpPr>
+          <p:nvPr>
+            <p:extLst>
+              <p:ext uri="{386F3935-93C4-4BCD-93E2-E3B085C9AB24}">
+                <p16:designElem xmlns:p16="http://schemas.microsoft.com/office/powerpoint/2015/main" val="1"/>
+              </p:ext>
+            </p:extLst>
+          </p:nvPr>
+        </p:nvSpPr>
+        <p:spPr>
+          <a:xfrm>
+            <a:off x="7585468" y="6167615"/>
+            <a:ext cx="4603482" cy="690385"/>
+          </a:xfrm>
+          <a:prstGeom prst="rect">
+            <a:avLst/>
+          </a:prstGeom>
+          <a:solidFill>
+            <a:schemeClr val="bg1">
+              <a:alpha val="75000"/>
+            </a:schemeClr>
+          </a:solidFill>
+          <a:ln>
+            <a:noFill/>
+          </a:ln>
+        </p:spPr>
+        <p:style>
+          <a:lnRef idx="2">
+            <a:schemeClr val="accent1">
+              <a:shade val="50000"/>
+            </a:schemeClr>
+          </a:lnRef>
+          <a:fillRef idx="1">
+            <a:schemeClr val="accent1"/>
+          </a:fillRef>
+          <a:effectRef idx="0">
+            <a:schemeClr val="accent1"/>
+          </a:effectRef>
+          <a:fontRef idx="minor">
+            <a:schemeClr val="lt1"/>
+          </a:fontRef>
+        </p:style>
+        <p:txBody>
+          <a:bodyPr rtlCol="0" anchor="ctr"/>
+          <a:lstStyle/>
+          <a:p>
+            <a:pPr algn="ctr"/>
+            <a:endParaRPr lang="en-US"/>
+          </a:p>
+        </p:txBody>
+      </p:sp>
+      <p:sp>
+        <p:nvSpPr>
+          <p:cNvPr id="24" name="Rectangle 23">
+            <a:extLst>
+              <a:ext uri="{FF2B5EF4-FFF2-40B4-BE49-F238E27FC236}">
+                <a16:creationId xmlns:a16="http://schemas.microsoft.com/office/drawing/2014/main" id="{9C969C2C-E7E3-4052-87D4-61E733EC1BBD}"/>
+              </a:ext>
+              <a:ext uri="{C183D7F6-B498-43B3-948B-1728B52AA6E4}">
+                <adec:decorative xmlns:adec="http://schemas.microsoft.com/office/drawing/2017/decorative" val="1"/>
+              </a:ext>
+            </a:extLst>
+          </p:cNvPr>
+          <p:cNvSpPr>
+            <a:spLocks noGrp="1" noRot="1" noChangeAspect="1" noMove="1" noResize="1" noEditPoints="1" noAdjustHandles="1" noChangeArrowheads="1" noChangeShapeType="1" noTextEdit="1"/>
+          </p:cNvSpPr>
+          <p:nvPr>
+            <p:extLst>
+              <p:ext uri="{386F3935-93C4-4BCD-93E2-E3B085C9AB24}">
+                <p16:designElem xmlns:p16="http://schemas.microsoft.com/office/powerpoint/2015/main" val="1"/>
+              </p:ext>
+            </p:extLst>
+          </p:nvPr>
+        </p:nvSpPr>
+        <p:spPr>
+          <a:xfrm>
+            <a:off x="1525" y="6112401"/>
+            <a:ext cx="12188951" cy="64008"/>
+          </a:xfrm>
+          <a:prstGeom prst="rect">
+            <a:avLst/>
+          </a:prstGeom>
+          <a:solidFill>
+            <a:schemeClr val="tx2"/>
+          </a:solidFill>
+          <a:ln>
+            <a:noFill/>
+          </a:ln>
+        </p:spPr>
+        <p:style>
+          <a:lnRef idx="2">
+            <a:schemeClr val="accent1">
+              <a:shade val="50000"/>
+            </a:schemeClr>
+          </a:lnRef>
+          <a:fillRef idx="1">
+            <a:schemeClr val="accent1"/>
+          </a:fillRef>
+          <a:effectRef idx="0">
+            <a:schemeClr val="accent1"/>
+          </a:effectRef>
+          <a:fontRef idx="minor">
+            <a:schemeClr val="lt1"/>
+          </a:fontRef>
+        </p:style>
+        <p:txBody>
+          <a:bodyPr rtlCol="0" anchor="ctr"/>
+          <a:lstStyle/>
+          <a:p>
+            <a:pPr algn="ctr"/>
+            <a:endParaRPr lang="en-US"/>
+          </a:p>
+        </p:txBody>
+      </p:sp>
+      <p:sp>
+        <p:nvSpPr>
+          <p:cNvPr id="26" name="Rectangle 25">
+            <a:extLst>
+              <a:ext uri="{FF2B5EF4-FFF2-40B4-BE49-F238E27FC236}">
+                <a16:creationId xmlns:a16="http://schemas.microsoft.com/office/drawing/2014/main" id="{7C60369F-A41B-4D6E-8990-30E2715C5730}"/>
+              </a:ext>
+              <a:ext uri="{C183D7F6-B498-43B3-948B-1728B52AA6E4}">
+                <adec:decorative xmlns:adec="http://schemas.microsoft.com/office/drawing/2017/decorative" val="1"/>
+              </a:ext>
+            </a:extLst>
+          </p:cNvPr>
+          <p:cNvSpPr>
+            <a:spLocks noGrp="1" noRot="1" noChangeAspect="1" noMove="1" noResize="1" noEditPoints="1" noAdjustHandles="1" noChangeArrowheads="1" noChangeShapeType="1" noTextEdit="1"/>
+          </p:cNvSpPr>
+          <p:nvPr>
+            <p:extLst>
+              <p:ext uri="{386F3935-93C4-4BCD-93E2-E3B085C9AB24}">
+                <p16:designElem xmlns:p16="http://schemas.microsoft.com/office/powerpoint/2015/main" val="1"/>
+              </p:ext>
+            </p:extLst>
+          </p:nvPr>
+        </p:nvSpPr>
+        <p:spPr>
+          <a:xfrm>
+            <a:off x="7521459" y="0"/>
+            <a:ext cx="64008" cy="6858000"/>
+          </a:xfrm>
+          <a:prstGeom prst="rect">
+            <a:avLst/>
+          </a:prstGeom>
+          <a:solidFill>
+            <a:schemeClr val="tx2"/>
+          </a:solidFill>
+          <a:ln>
+            <a:noFill/>
+          </a:ln>
+        </p:spPr>
+        <p:style>
+          <a:lnRef idx="2">
+            <a:schemeClr val="accent1">
+              <a:shade val="50000"/>
+            </a:schemeClr>
+          </a:lnRef>
+          <a:fillRef idx="1">
+            <a:schemeClr val="accent1"/>
+          </a:fillRef>
+          <a:effectRef idx="0">
+            <a:schemeClr val="accent1"/>
+          </a:effectRef>
+          <a:fontRef idx="minor">
+            <a:schemeClr val="lt1"/>
+          </a:fontRef>
+        </p:style>
+        <p:txBody>
+          <a:bodyPr rtlCol="0" anchor="ctr"/>
+          <a:lstStyle/>
+          <a:p>
+            <a:pPr algn="ctr"/>
+            <a:endParaRPr lang="en-US"/>
+          </a:p>
+        </p:txBody>
+      </p:sp>
+    </p:spTree>
+    <p:extLst>
+      <p:ext uri="{BB962C8B-B14F-4D97-AF65-F5344CB8AC3E}">
+        <p14:creationId xmlns:p14="http://schemas.microsoft.com/office/powerpoint/2010/main" val="3791728153"/>
+      </p:ext>
+    </p:extLst>
+  </p:cSld>
+  <p:clrMapOvr>
+    <a:masterClrMapping/>
+  </p:clrMapOvr>
+</p:sld>
+</file>
+
+<file path=ppt/slides/slide16.xml><?xml version="1.0" encoding="utf-8"?>
+<p:sld xmlns:a="http://schemas.openxmlformats.org/drawingml/2006/main" xmlns:r="http://schemas.openxmlformats.org/officeDocument/2006/relationships" xmlns:p="http://schemas.openxmlformats.org/presentationml/2006/main">
+  <p:cSld>
+    <p:spTree>
+      <p:nvGrpSpPr>
+        <p:cNvPr id="1" name=""/>
+        <p:cNvGrpSpPr/>
+        <p:nvPr/>
+      </p:nvGrpSpPr>
+      <p:grpSpPr>
+        <a:xfrm>
+          <a:off x="0" y="0"/>
+          <a:ext cx="0" cy="0"/>
+          <a:chOff x="0" y="0"/>
+          <a:chExt cx="0" cy="0"/>
+        </a:xfrm>
+      </p:grpSpPr>
+      <p:sp>
+        <p:nvSpPr>
+          <p:cNvPr id="2" name="Title 1">
+            <a:extLst>
+              <a:ext uri="{FF2B5EF4-FFF2-40B4-BE49-F238E27FC236}">
+                <a16:creationId xmlns:a16="http://schemas.microsoft.com/office/drawing/2014/main" id="{85922B9D-6F68-43FD-9D61-C84DF9BE8BC4}"/>
+              </a:ext>
+            </a:extLst>
+          </p:cNvPr>
+          <p:cNvSpPr>
+            <a:spLocks noGrp="1"/>
+          </p:cNvSpPr>
+          <p:nvPr>
+            <p:ph type="title"/>
+          </p:nvPr>
+        </p:nvSpPr>
+        <p:spPr/>
+        <p:txBody>
+          <a:bodyPr/>
+          <a:lstStyle/>
+          <a:p>
+            <a:r>
+              <a:rPr lang="en-GB" dirty="0"/>
+              <a:t>Thank you </a:t>
+            </a:r>
+          </a:p>
+        </p:txBody>
+      </p:sp>
+      <p:sp>
+        <p:nvSpPr>
+          <p:cNvPr id="3" name="Content Placeholder 2">
+            <a:extLst>
+              <a:ext uri="{FF2B5EF4-FFF2-40B4-BE49-F238E27FC236}">
+                <a16:creationId xmlns:a16="http://schemas.microsoft.com/office/drawing/2014/main" id="{B67123F0-153F-422F-85FE-D83200DC8E68}"/>
+              </a:ext>
+            </a:extLst>
+          </p:cNvPr>
+          <p:cNvSpPr>
+            <a:spLocks noGrp="1"/>
+          </p:cNvSpPr>
+          <p:nvPr>
+            <p:ph idx="1"/>
+          </p:nvPr>
+        </p:nvSpPr>
+        <p:spPr/>
+        <p:txBody>
+          <a:bodyPr/>
+          <a:lstStyle/>
+          <a:p>
+            <a:r>
+              <a:rPr lang="en-GB" dirty="0"/>
+              <a:t>Instructor: Aqeeb Hussain</a:t>
+            </a:r>
+          </a:p>
+          <a:p>
+            <a:r>
+              <a:rPr lang="en-GB"/>
+              <a:t>GitHub: </a:t>
+            </a:r>
+            <a:r>
+              <a:rPr lang="en-GB">
+                <a:hlinkClick r:id="rId2"/>
+              </a:rPr>
+              <a:t>https://github.com/aqeebhussain122/hpc-offensive-security</a:t>
+            </a:r>
+            <a:r>
+              <a:rPr lang="en-GB"/>
+              <a:t> </a:t>
+            </a:r>
+          </a:p>
+        </p:txBody>
+      </p:sp>
+    </p:spTree>
+    <p:extLst>
+      <p:ext uri="{BB962C8B-B14F-4D97-AF65-F5344CB8AC3E}">
+        <p14:creationId xmlns:p14="http://schemas.microsoft.com/office/powerpoint/2010/main" val="1414084081"/>
       </p:ext>
     </p:extLst>
   </p:cSld>
